--- a/rpi/online_interview_notes.pptx
+++ b/rpi/online_interview_notes.pptx
@@ -129,6 +129,11 @@
       </a:defRPr>
     </a:lvl9pPr>
   </p:defaultTextStyle>
+  <p:extLst>
+    <p:ext uri="{EFAFB233-063F-42B5-8137-9DF3F51BA10A}">
+      <p15:sldGuideLst xmlns:p15="http://schemas.microsoft.com/office/powerpoint/2012/main"/>
+    </p:ext>
+  </p:extLst>
 </p:presentation>
 </file>
 
@@ -4645,6 +4650,38 @@
           </a:p>
         </p:txBody>
       </p:sp>
+      <p:sp>
+        <p:nvSpPr>
+          <p:cNvPr id="5" name="TextBox 4">
+            <a:extLst>
+              <a:ext uri="{FF2B5EF4-FFF2-40B4-BE49-F238E27FC236}">
+                <a16:creationId xmlns:a16="http://schemas.microsoft.com/office/drawing/2014/main" id="{F2621403-2759-1B7F-F979-860276B64782}"/>
+              </a:ext>
+            </a:extLst>
+          </p:cNvPr>
+          <p:cNvSpPr txBox="1"/>
+          <p:nvPr/>
+        </p:nvSpPr>
+        <p:spPr>
+          <a:xfrm>
+            <a:off x="-3179752" y="584036"/>
+            <a:ext cx="184731" cy="369332"/>
+          </a:xfrm>
+          <a:prstGeom prst="rect">
+            <a:avLst/>
+          </a:prstGeom>
+          <a:noFill/>
+        </p:spPr>
+        <p:txBody>
+          <a:bodyPr wrap="none" rtlCol="0">
+            <a:spAutoFit/>
+          </a:bodyPr>
+          <a:lstStyle/>
+          <a:p>
+            <a:endParaRPr lang="en-US"/>
+          </a:p>
+        </p:txBody>
+      </p:sp>
     </p:spTree>
     <p:extLst>
       <p:ext uri="{BB962C8B-B14F-4D97-AF65-F5344CB8AC3E}">
@@ -6352,12 +6389,20 @@
         </p:nvSpPr>
         <p:spPr/>
         <p:txBody>
-          <a:bodyPr/>
+          <a:bodyPr>
+            <a:normAutofit fontScale="92500" lnSpcReduction="10000"/>
+          </a:bodyPr>
           <a:lstStyle/>
           <a:p>
             <a:r>
               <a:rPr lang="en-US" dirty="0"/>
               <a:t>My research have been motivated by the communication bottleneck in today’s distributed computing systems, which is becoming increasingly more significant because of the booming development of data-intensive AI/machine learning applications.</a:t>
+            </a:r>
+          </a:p>
+          <a:p>
+            <a:r>
+              <a:rPr lang="en-US" dirty="0"/>
+              <a:t>(The communication bottleneck is most exemplified at the boundary of each network hierarchy, for example, from on-chip to off-chip, and from on-board to off-board, etc. In general there is usually 2 orders of magnitudes bandwidth tapering across the system hierarchy, which fundamentally limits its performance and energy efficiency,)</a:t>
             </a:r>
           </a:p>
           <a:p>
